--- a/Apple, Samsung, and COVID.pptx
+++ b/Apple, Samsung, and COVID.pptx
@@ -5,7 +5,7 @@
     <p:sldMasterId id="2147483648" r:id="rId1"/>
   </p:sldMasterIdLst>
   <p:notesMasterIdLst>
-    <p:notesMasterId r:id="rId27"/>
+    <p:notesMasterId r:id="rId26"/>
   </p:notesMasterIdLst>
   <p:sldIdLst>
     <p:sldId id="256" r:id="rId2"/>
@@ -25,14 +25,13 @@
     <p:sldId id="275" r:id="rId16"/>
     <p:sldId id="263" r:id="rId17"/>
     <p:sldId id="276" r:id="rId18"/>
-    <p:sldId id="277" r:id="rId19"/>
-    <p:sldId id="278" r:id="rId20"/>
-    <p:sldId id="279" r:id="rId21"/>
-    <p:sldId id="266" r:id="rId22"/>
-    <p:sldId id="267" r:id="rId23"/>
-    <p:sldId id="264" r:id="rId24"/>
-    <p:sldId id="265" r:id="rId25"/>
-    <p:sldId id="280" r:id="rId26"/>
+    <p:sldId id="278" r:id="rId19"/>
+    <p:sldId id="279" r:id="rId20"/>
+    <p:sldId id="266" r:id="rId21"/>
+    <p:sldId id="267" r:id="rId22"/>
+    <p:sldId id="264" r:id="rId23"/>
+    <p:sldId id="265" r:id="rId24"/>
+    <p:sldId id="280" r:id="rId25"/>
   </p:sldIdLst>
   <p:sldSz cx="12192000" cy="6858000"/>
   <p:notesSz cx="6858000" cy="9144000"/>
@@ -10243,7 +10242,7 @@
         <p:cNvPr id="1" name="">
           <a:extLst>
             <a:ext uri="{FF2B5EF4-FFF2-40B4-BE49-F238E27FC236}">
-              <a16:creationId xmlns:a16="http://schemas.microsoft.com/office/drawing/2014/main" id="{B2C38E85-DFA7-78F7-6C0C-4B79E7A4C6B7}"/>
+              <a16:creationId xmlns:a16="http://schemas.microsoft.com/office/drawing/2014/main" id="{ECDF6162-AEE8-1459-F9F0-0ECA1DB26483}"/>
             </a:ext>
           </a:extLst>
         </p:cNvPr>
@@ -10263,7 +10262,7 @@
           <p:cNvPr id="11" name="Group 10">
             <a:extLst>
               <a:ext uri="{FF2B5EF4-FFF2-40B4-BE49-F238E27FC236}">
-                <a16:creationId xmlns:a16="http://schemas.microsoft.com/office/drawing/2014/main" id="{62E104BA-36A8-332E-A25D-3A9CCC96D0AC}"/>
+                <a16:creationId xmlns:a16="http://schemas.microsoft.com/office/drawing/2014/main" id="{9AC1717D-B96F-DD39-DCF6-38D6CF0AF05D}"/>
               </a:ext>
             </a:extLst>
           </p:cNvPr>
@@ -10283,7 +10282,7 @@
             <p:cNvPr id="4" name="Group 3">
               <a:extLst>
                 <a:ext uri="{FF2B5EF4-FFF2-40B4-BE49-F238E27FC236}">
-                  <a16:creationId xmlns:a16="http://schemas.microsoft.com/office/drawing/2014/main" id="{A18F1253-9221-C80E-1584-10FCA002BB01}"/>
+                  <a16:creationId xmlns:a16="http://schemas.microsoft.com/office/drawing/2014/main" id="{859769FF-86D0-4F1A-9629-C95AA27C6679}"/>
                 </a:ext>
               </a:extLst>
             </p:cNvPr>
@@ -10303,7 +10302,7 @@
               <p:cNvPr id="1026" name="Picture 2" descr="iPhone - Wikipedia">
                 <a:extLst>
                   <a:ext uri="{FF2B5EF4-FFF2-40B4-BE49-F238E27FC236}">
-                    <a16:creationId xmlns:a16="http://schemas.microsoft.com/office/drawing/2014/main" id="{5785AB69-30B1-BBC2-C9A8-3E7B02E7F28B}"/>
+                    <a16:creationId xmlns:a16="http://schemas.microsoft.com/office/drawing/2014/main" id="{3EB8AA01-F8A8-F279-41A1-74F2493BB946}"/>
                   </a:ext>
                 </a:extLst>
               </p:cNvPr>
@@ -10351,7 +10350,7 @@
               <p:cNvPr id="1028" name="Picture 4" descr="All Samsung Galaxy S Series Prices &amp; models | Samsung Jordan">
                 <a:extLst>
                   <a:ext uri="{FF2B5EF4-FFF2-40B4-BE49-F238E27FC236}">
-                    <a16:creationId xmlns:a16="http://schemas.microsoft.com/office/drawing/2014/main" id="{4775594F-0E4A-4FD7-22AF-4302C5EF12D7}"/>
+                    <a16:creationId xmlns:a16="http://schemas.microsoft.com/office/drawing/2014/main" id="{D87D3898-B3D9-BAEA-5929-D3DEFF3CCC26}"/>
                   </a:ext>
                 </a:extLst>
               </p:cNvPr>
@@ -10400,7 +10399,7 @@
             <p:cNvPr id="5" name="Group 4">
               <a:extLst>
                 <a:ext uri="{FF2B5EF4-FFF2-40B4-BE49-F238E27FC236}">
-                  <a16:creationId xmlns:a16="http://schemas.microsoft.com/office/drawing/2014/main" id="{03D4FF19-52A4-C26C-1565-E7310A8186D7}"/>
+                  <a16:creationId xmlns:a16="http://schemas.microsoft.com/office/drawing/2014/main" id="{534E6EF1-E738-F960-1B03-C13E0AE68AB6}"/>
                 </a:ext>
               </a:extLst>
             </p:cNvPr>
@@ -10420,7 +10419,7 @@
               <p:cNvPr id="6" name="Picture 2" descr="iPhone - Wikipedia">
                 <a:extLst>
                   <a:ext uri="{FF2B5EF4-FFF2-40B4-BE49-F238E27FC236}">
-                    <a16:creationId xmlns:a16="http://schemas.microsoft.com/office/drawing/2014/main" id="{C3785398-D43D-B4CF-23E6-61147A54946B}"/>
+                    <a16:creationId xmlns:a16="http://schemas.microsoft.com/office/drawing/2014/main" id="{D5841426-FB39-7F91-4F3C-E316C5433B4E}"/>
                   </a:ext>
                 </a:extLst>
               </p:cNvPr>
@@ -10468,7 +10467,7 @@
               <p:cNvPr id="7" name="Picture 4" descr="All Samsung Galaxy S Series Prices &amp; models | Samsung Jordan">
                 <a:extLst>
                   <a:ext uri="{FF2B5EF4-FFF2-40B4-BE49-F238E27FC236}">
-                    <a16:creationId xmlns:a16="http://schemas.microsoft.com/office/drawing/2014/main" id="{1BEB2677-4445-360C-BAB6-4D03A9FB6EF0}"/>
+                    <a16:creationId xmlns:a16="http://schemas.microsoft.com/office/drawing/2014/main" id="{2C08AB0B-C5ED-F7BE-3AA0-C0867EE7E8F8}"/>
                   </a:ext>
                 </a:extLst>
               </p:cNvPr>
@@ -10517,7 +10516,7 @@
             <p:cNvPr id="8" name="Group 7">
               <a:extLst>
                 <a:ext uri="{FF2B5EF4-FFF2-40B4-BE49-F238E27FC236}">
-                  <a16:creationId xmlns:a16="http://schemas.microsoft.com/office/drawing/2014/main" id="{02E1B3EC-B87A-9E45-681E-E49F9AD84576}"/>
+                  <a16:creationId xmlns:a16="http://schemas.microsoft.com/office/drawing/2014/main" id="{5D2202FC-419C-A20B-B560-E10988C5E192}"/>
                 </a:ext>
               </a:extLst>
             </p:cNvPr>
@@ -10537,7 +10536,7 @@
               <p:cNvPr id="9" name="Picture 2" descr="iPhone - Wikipedia">
                 <a:extLst>
                   <a:ext uri="{FF2B5EF4-FFF2-40B4-BE49-F238E27FC236}">
-                    <a16:creationId xmlns:a16="http://schemas.microsoft.com/office/drawing/2014/main" id="{4B5C0D9F-9F1B-128E-70B7-2C111FE64023}"/>
+                    <a16:creationId xmlns:a16="http://schemas.microsoft.com/office/drawing/2014/main" id="{548AB96B-F675-99B1-B84A-40165E71E6F1}"/>
                   </a:ext>
                 </a:extLst>
               </p:cNvPr>
@@ -10585,7 +10584,7 @@
               <p:cNvPr id="10" name="Picture 4" descr="All Samsung Galaxy S Series Prices &amp; models | Samsung Jordan">
                 <a:extLst>
                   <a:ext uri="{FF2B5EF4-FFF2-40B4-BE49-F238E27FC236}">
-                    <a16:creationId xmlns:a16="http://schemas.microsoft.com/office/drawing/2014/main" id="{724C92AF-1581-466C-FFA4-F63AB7EC404B}"/>
+                    <a16:creationId xmlns:a16="http://schemas.microsoft.com/office/drawing/2014/main" id="{2BD186D2-ECCC-FCFF-18C2-10230F1579AF}"/>
                   </a:ext>
                 </a:extLst>
               </p:cNvPr>
@@ -10635,7 +10634,7 @@
           <p:cNvPr id="2" name="Title 1">
             <a:extLst>
               <a:ext uri="{FF2B5EF4-FFF2-40B4-BE49-F238E27FC236}">
-                <a16:creationId xmlns:a16="http://schemas.microsoft.com/office/drawing/2014/main" id="{B051EF50-4E80-6839-9F08-3DBF332732DA}"/>
+                <a16:creationId xmlns:a16="http://schemas.microsoft.com/office/drawing/2014/main" id="{BC558F7A-FB4C-1188-293A-19A5F2BAEFDA}"/>
               </a:ext>
             </a:extLst>
           </p:cNvPr>
@@ -10706,10 +10705,10 @@
       </p:sp>
       <p:pic>
         <p:nvPicPr>
-          <p:cNvPr id="12" name="Picture 11" descr="A diagram with a red line&#10;&#10;Description automatically generated">
+          <p:cNvPr id="12" name="Picture 11" descr="A graph of a graph&#10;&#10;Description automatically generated with medium confidence">
             <a:extLst>
               <a:ext uri="{FF2B5EF4-FFF2-40B4-BE49-F238E27FC236}">
-                <a16:creationId xmlns:a16="http://schemas.microsoft.com/office/drawing/2014/main" id="{3D6BABA5-5F22-C9E3-E220-E94E1ECE505D}"/>
+                <a16:creationId xmlns:a16="http://schemas.microsoft.com/office/drawing/2014/main" id="{1506B674-1170-334C-A552-2354A8A83311}"/>
               </a:ext>
             </a:extLst>
           </p:cNvPr>
@@ -10726,8 +10725,8 @@
         </p:blipFill>
         <p:spPr>
           <a:xfrm>
-            <a:off x="1186983" y="1690688"/>
-            <a:ext cx="8346888" cy="5008133"/>
+            <a:off x="1412688" y="1757493"/>
+            <a:ext cx="7772400" cy="4663440"/>
           </a:xfrm>
           <a:prstGeom prst="rect">
             <a:avLst/>
@@ -10742,7 +10741,7 @@
     </p:spTree>
     <p:extLst>
       <p:ext uri="{BB962C8B-B14F-4D97-AF65-F5344CB8AC3E}">
-        <p14:creationId xmlns:p14="http://schemas.microsoft.com/office/powerpoint/2010/main" val="3425610148"/>
+        <p14:creationId xmlns:p14="http://schemas.microsoft.com/office/powerpoint/2010/main" val="2282708206"/>
       </p:ext>
     </p:extLst>
   </p:cSld>
@@ -10770,7 +10769,7 @@
         <p:cNvPr id="1" name="">
           <a:extLst>
             <a:ext uri="{FF2B5EF4-FFF2-40B4-BE49-F238E27FC236}">
-              <a16:creationId xmlns:a16="http://schemas.microsoft.com/office/drawing/2014/main" id="{ECDF6162-AEE8-1459-F9F0-0ECA1DB26483}"/>
+              <a16:creationId xmlns:a16="http://schemas.microsoft.com/office/drawing/2014/main" id="{68E5CA3A-2AB2-CF70-B8F0-EAE40C5E8055}"/>
             </a:ext>
           </a:extLst>
         </p:cNvPr>
@@ -10790,7 +10789,7 @@
           <p:cNvPr id="11" name="Group 10">
             <a:extLst>
               <a:ext uri="{FF2B5EF4-FFF2-40B4-BE49-F238E27FC236}">
-                <a16:creationId xmlns:a16="http://schemas.microsoft.com/office/drawing/2014/main" id="{9AC1717D-B96F-DD39-DCF6-38D6CF0AF05D}"/>
+                <a16:creationId xmlns:a16="http://schemas.microsoft.com/office/drawing/2014/main" id="{F6525DDF-C9B7-5697-4B6A-24B3B9C7A853}"/>
               </a:ext>
             </a:extLst>
           </p:cNvPr>
@@ -10810,7 +10809,7 @@
             <p:cNvPr id="4" name="Group 3">
               <a:extLst>
                 <a:ext uri="{FF2B5EF4-FFF2-40B4-BE49-F238E27FC236}">
-                  <a16:creationId xmlns:a16="http://schemas.microsoft.com/office/drawing/2014/main" id="{859769FF-86D0-4F1A-9629-C95AA27C6679}"/>
+                  <a16:creationId xmlns:a16="http://schemas.microsoft.com/office/drawing/2014/main" id="{CC39935D-177A-A762-4876-226C0570C392}"/>
                 </a:ext>
               </a:extLst>
             </p:cNvPr>
@@ -10830,7 +10829,7 @@
               <p:cNvPr id="1026" name="Picture 2" descr="iPhone - Wikipedia">
                 <a:extLst>
                   <a:ext uri="{FF2B5EF4-FFF2-40B4-BE49-F238E27FC236}">
-                    <a16:creationId xmlns:a16="http://schemas.microsoft.com/office/drawing/2014/main" id="{3EB8AA01-F8A8-F279-41A1-74F2493BB946}"/>
+                    <a16:creationId xmlns:a16="http://schemas.microsoft.com/office/drawing/2014/main" id="{701DF543-BED1-C539-1A59-66D43FC247A2}"/>
                   </a:ext>
                 </a:extLst>
               </p:cNvPr>
@@ -10878,7 +10877,7 @@
               <p:cNvPr id="1028" name="Picture 4" descr="All Samsung Galaxy S Series Prices &amp; models | Samsung Jordan">
                 <a:extLst>
                   <a:ext uri="{FF2B5EF4-FFF2-40B4-BE49-F238E27FC236}">
-                    <a16:creationId xmlns:a16="http://schemas.microsoft.com/office/drawing/2014/main" id="{D87D3898-B3D9-BAEA-5929-D3DEFF3CCC26}"/>
+                    <a16:creationId xmlns:a16="http://schemas.microsoft.com/office/drawing/2014/main" id="{B3FCCCB6-D229-D722-5161-8A6C843FC2B1}"/>
                   </a:ext>
                 </a:extLst>
               </p:cNvPr>
@@ -10927,7 +10926,7 @@
             <p:cNvPr id="5" name="Group 4">
               <a:extLst>
                 <a:ext uri="{FF2B5EF4-FFF2-40B4-BE49-F238E27FC236}">
-                  <a16:creationId xmlns:a16="http://schemas.microsoft.com/office/drawing/2014/main" id="{534E6EF1-E738-F960-1B03-C13E0AE68AB6}"/>
+                  <a16:creationId xmlns:a16="http://schemas.microsoft.com/office/drawing/2014/main" id="{4FAE08AC-D3C9-BAD1-0A1B-9550CF983B94}"/>
                 </a:ext>
               </a:extLst>
             </p:cNvPr>
@@ -10947,7 +10946,7 @@
               <p:cNvPr id="6" name="Picture 2" descr="iPhone - Wikipedia">
                 <a:extLst>
                   <a:ext uri="{FF2B5EF4-FFF2-40B4-BE49-F238E27FC236}">
-                    <a16:creationId xmlns:a16="http://schemas.microsoft.com/office/drawing/2014/main" id="{D5841426-FB39-7F91-4F3C-E316C5433B4E}"/>
+                    <a16:creationId xmlns:a16="http://schemas.microsoft.com/office/drawing/2014/main" id="{BAC4DDD8-3B6C-B354-0B6A-58A6E7044728}"/>
                   </a:ext>
                 </a:extLst>
               </p:cNvPr>
@@ -10995,7 +10994,7 @@
               <p:cNvPr id="7" name="Picture 4" descr="All Samsung Galaxy S Series Prices &amp; models | Samsung Jordan">
                 <a:extLst>
                   <a:ext uri="{FF2B5EF4-FFF2-40B4-BE49-F238E27FC236}">
-                    <a16:creationId xmlns:a16="http://schemas.microsoft.com/office/drawing/2014/main" id="{2C08AB0B-C5ED-F7BE-3AA0-C0867EE7E8F8}"/>
+                    <a16:creationId xmlns:a16="http://schemas.microsoft.com/office/drawing/2014/main" id="{3DE4EBB7-5986-23EB-9FF7-E29D61B3444D}"/>
                   </a:ext>
                 </a:extLst>
               </p:cNvPr>
@@ -11044,7 +11043,7 @@
             <p:cNvPr id="8" name="Group 7">
               <a:extLst>
                 <a:ext uri="{FF2B5EF4-FFF2-40B4-BE49-F238E27FC236}">
-                  <a16:creationId xmlns:a16="http://schemas.microsoft.com/office/drawing/2014/main" id="{5D2202FC-419C-A20B-B560-E10988C5E192}"/>
+                  <a16:creationId xmlns:a16="http://schemas.microsoft.com/office/drawing/2014/main" id="{D37E7886-A409-01D7-C346-0FEA7612136E}"/>
                 </a:ext>
               </a:extLst>
             </p:cNvPr>
@@ -11064,7 +11063,7 @@
               <p:cNvPr id="9" name="Picture 2" descr="iPhone - Wikipedia">
                 <a:extLst>
                   <a:ext uri="{FF2B5EF4-FFF2-40B4-BE49-F238E27FC236}">
-                    <a16:creationId xmlns:a16="http://schemas.microsoft.com/office/drawing/2014/main" id="{548AB96B-F675-99B1-B84A-40165E71E6F1}"/>
+                    <a16:creationId xmlns:a16="http://schemas.microsoft.com/office/drawing/2014/main" id="{50A3367A-48B5-DE5D-6FC8-886E713FDC31}"/>
                   </a:ext>
                 </a:extLst>
               </p:cNvPr>
@@ -11112,7 +11111,7 @@
               <p:cNvPr id="10" name="Picture 4" descr="All Samsung Galaxy S Series Prices &amp; models | Samsung Jordan">
                 <a:extLst>
                   <a:ext uri="{FF2B5EF4-FFF2-40B4-BE49-F238E27FC236}">
-                    <a16:creationId xmlns:a16="http://schemas.microsoft.com/office/drawing/2014/main" id="{2BD186D2-ECCC-FCFF-18C2-10230F1579AF}"/>
+                    <a16:creationId xmlns:a16="http://schemas.microsoft.com/office/drawing/2014/main" id="{0CD648B4-993D-25F6-A567-8B750E5F0C7F}"/>
                   </a:ext>
                 </a:extLst>
               </p:cNvPr>
@@ -11162,7 +11161,7 @@
           <p:cNvPr id="2" name="Title 1">
             <a:extLst>
               <a:ext uri="{FF2B5EF4-FFF2-40B4-BE49-F238E27FC236}">
-                <a16:creationId xmlns:a16="http://schemas.microsoft.com/office/drawing/2014/main" id="{BC558F7A-FB4C-1188-293A-19A5F2BAEFDA}"/>
+                <a16:creationId xmlns:a16="http://schemas.microsoft.com/office/drawing/2014/main" id="{2E97C436-DD40-AF79-18E3-FABA0B5702A0}"/>
               </a:ext>
             </a:extLst>
           </p:cNvPr>
@@ -11236,7 +11235,7 @@
           <p:cNvPr id="12" name="Picture 11" descr="A graph of a graph&#10;&#10;Description automatically generated with medium confidence">
             <a:extLst>
               <a:ext uri="{FF2B5EF4-FFF2-40B4-BE49-F238E27FC236}">
-                <a16:creationId xmlns:a16="http://schemas.microsoft.com/office/drawing/2014/main" id="{1506B674-1170-334C-A552-2354A8A83311}"/>
+                <a16:creationId xmlns:a16="http://schemas.microsoft.com/office/drawing/2014/main" id="{0A91C0F9-C48E-EACB-628C-562B10AEBBFB}"/>
               </a:ext>
             </a:extLst>
           </p:cNvPr>
@@ -11253,7 +11252,7 @@
         </p:blipFill>
         <p:spPr>
           <a:xfrm>
-            <a:off x="1412688" y="1757493"/>
+            <a:off x="1520732" y="1832376"/>
             <a:ext cx="7772400" cy="4663440"/>
           </a:xfrm>
           <a:prstGeom prst="rect">
@@ -11269,7 +11268,7 @@
     </p:spTree>
     <p:extLst>
       <p:ext uri="{BB962C8B-B14F-4D97-AF65-F5344CB8AC3E}">
-        <p14:creationId xmlns:p14="http://schemas.microsoft.com/office/powerpoint/2010/main" val="2282708206"/>
+        <p14:creationId xmlns:p14="http://schemas.microsoft.com/office/powerpoint/2010/main" val="520348484"/>
       </p:ext>
     </p:extLst>
   </p:cSld>
@@ -11797,533 +11796,6 @@
 </file>
 
 <file path=ppt/slides/slide20.xml><?xml version="1.0" encoding="utf-8"?>
-<p:sld xmlns:a="http://schemas.openxmlformats.org/drawingml/2006/main" xmlns:r="http://schemas.openxmlformats.org/officeDocument/2006/relationships" xmlns:p="http://schemas.openxmlformats.org/presentationml/2006/main">
-  <p:cSld>
-    <p:bg>
-      <p:bgPr>
-        <a:solidFill>
-          <a:schemeClr val="bg2">
-            <a:lumMod val="90000"/>
-          </a:schemeClr>
-        </a:solidFill>
-        <a:effectLst/>
-      </p:bgPr>
-    </p:bg>
-    <p:spTree>
-      <p:nvGrpSpPr>
-        <p:cNvPr id="1" name="">
-          <a:extLst>
-            <a:ext uri="{FF2B5EF4-FFF2-40B4-BE49-F238E27FC236}">
-              <a16:creationId xmlns:a16="http://schemas.microsoft.com/office/drawing/2014/main" id="{68E5CA3A-2AB2-CF70-B8F0-EAE40C5E8055}"/>
-            </a:ext>
-          </a:extLst>
-        </p:cNvPr>
-        <p:cNvGrpSpPr/>
-        <p:nvPr/>
-      </p:nvGrpSpPr>
-      <p:grpSpPr>
-        <a:xfrm>
-          <a:off x="0" y="0"/>
-          <a:ext cx="0" cy="0"/>
-          <a:chOff x="0" y="0"/>
-          <a:chExt cx="0" cy="0"/>
-        </a:xfrm>
-      </p:grpSpPr>
-      <p:grpSp>
-        <p:nvGrpSpPr>
-          <p:cNvPr id="11" name="Group 10">
-            <a:extLst>
-              <a:ext uri="{FF2B5EF4-FFF2-40B4-BE49-F238E27FC236}">
-                <a16:creationId xmlns:a16="http://schemas.microsoft.com/office/drawing/2014/main" id="{F6525DDF-C9B7-5697-4B6A-24B3B9C7A853}"/>
-              </a:ext>
-            </a:extLst>
-          </p:cNvPr>
-          <p:cNvGrpSpPr/>
-          <p:nvPr/>
-        </p:nvGrpSpPr>
-        <p:grpSpPr>
-          <a:xfrm>
-            <a:off x="9448613" y="-1143000"/>
-            <a:ext cx="3209551" cy="8852413"/>
-            <a:chOff x="9448613" y="-1143000"/>
-            <a:chExt cx="3209551" cy="8852413"/>
-          </a:xfrm>
-        </p:grpSpPr>
-        <p:grpSp>
-          <p:nvGrpSpPr>
-            <p:cNvPr id="4" name="Group 3">
-              <a:extLst>
-                <a:ext uri="{FF2B5EF4-FFF2-40B4-BE49-F238E27FC236}">
-                  <a16:creationId xmlns:a16="http://schemas.microsoft.com/office/drawing/2014/main" id="{CC39935D-177A-A762-4876-226C0570C392}"/>
-                </a:ext>
-              </a:extLst>
-            </p:cNvPr>
-            <p:cNvGrpSpPr/>
-            <p:nvPr/>
-          </p:nvGrpSpPr>
-          <p:grpSpPr>
-            <a:xfrm>
-              <a:off x="9448613" y="-1143000"/>
-              <a:ext cx="3209551" cy="3620200"/>
-              <a:chOff x="9448613" y="-1143000"/>
-              <a:chExt cx="3209551" cy="3620200"/>
-            </a:xfrm>
-          </p:grpSpPr>
-          <p:pic>
-            <p:nvPicPr>
-              <p:cNvPr id="1026" name="Picture 2" descr="iPhone - Wikipedia">
-                <a:extLst>
-                  <a:ext uri="{FF2B5EF4-FFF2-40B4-BE49-F238E27FC236}">
-                    <a16:creationId xmlns:a16="http://schemas.microsoft.com/office/drawing/2014/main" id="{701DF543-BED1-C539-1A59-66D43FC247A2}"/>
-                  </a:ext>
-                </a:extLst>
-              </p:cNvPr>
-              <p:cNvPicPr>
-                <a:picLocks noChangeAspect="1" noChangeArrowheads="1"/>
-              </p:cNvPicPr>
-              <p:nvPr/>
-            </p:nvPicPr>
-            <p:blipFill>
-              <a:blip r:embed="rId2">
-                <a:alphaModFix amt="70000"/>
-                <a:extLst>
-                  <a:ext uri="{28A0092B-C50C-407E-A947-70E740481C1C}">
-                    <a14:useLocalDpi xmlns:a14="http://schemas.microsoft.com/office/drawing/2010/main" val="0"/>
-                  </a:ext>
-                </a:extLst>
-              </a:blip>
-              <a:srcRect/>
-              <a:stretch>
-                <a:fillRect/>
-              </a:stretch>
-            </p:blipFill>
-            <p:spPr bwMode="auto">
-              <a:xfrm>
-                <a:off x="9448613" y="-1143000"/>
-                <a:ext cx="1111250" cy="2286000"/>
-              </a:xfrm>
-              <a:prstGeom prst="rect">
-                <a:avLst/>
-              </a:prstGeom>
-              <a:noFill/>
-              <a:extLst>
-                <a:ext uri="{909E8E84-426E-40DD-AFC4-6F175D3DCCD1}">
-                  <a14:hiddenFill xmlns:a14="http://schemas.microsoft.com/office/drawing/2010/main">
-                    <a:solidFill>
-                      <a:srgbClr val="FFFFFF"/>
-                    </a:solidFill>
-                  </a14:hiddenFill>
-                </a:ext>
-              </a:extLst>
-            </p:spPr>
-          </p:pic>
-          <p:pic>
-            <p:nvPicPr>
-              <p:cNvPr id="1028" name="Picture 4" descr="All Samsung Galaxy S Series Prices &amp; models | Samsung Jordan">
-                <a:extLst>
-                  <a:ext uri="{FF2B5EF4-FFF2-40B4-BE49-F238E27FC236}">
-                    <a16:creationId xmlns:a16="http://schemas.microsoft.com/office/drawing/2014/main" id="{B3FCCCB6-D229-D722-5161-8A6C843FC2B1}"/>
-                  </a:ext>
-                </a:extLst>
-              </p:cNvPr>
-              <p:cNvPicPr>
-                <a:picLocks noChangeAspect="1" noChangeArrowheads="1"/>
-              </p:cNvPicPr>
-              <p:nvPr/>
-            </p:nvPicPr>
-            <p:blipFill>
-              <a:blip r:embed="rId3">
-                <a:alphaModFix amt="70000"/>
-                <a:extLst>
-                  <a:ext uri="{28A0092B-C50C-407E-A947-70E740481C1C}">
-                    <a14:useLocalDpi xmlns:a14="http://schemas.microsoft.com/office/drawing/2010/main" val="0"/>
-                  </a:ext>
-                </a:extLst>
-              </a:blip>
-              <a:srcRect/>
-              <a:stretch>
-                <a:fillRect/>
-              </a:stretch>
-            </p:blipFill>
-            <p:spPr bwMode="auto">
-              <a:xfrm>
-                <a:off x="9759576" y="-421388"/>
-                <a:ext cx="2898588" cy="2898588"/>
-              </a:xfrm>
-              <a:prstGeom prst="rect">
-                <a:avLst/>
-              </a:prstGeom>
-              <a:noFill/>
-              <a:extLst>
-                <a:ext uri="{909E8E84-426E-40DD-AFC4-6F175D3DCCD1}">
-                  <a14:hiddenFill xmlns:a14="http://schemas.microsoft.com/office/drawing/2010/main">
-                    <a:solidFill>
-                      <a:srgbClr val="FFFFFF"/>
-                    </a:solidFill>
-                  </a14:hiddenFill>
-                </a:ext>
-              </a:extLst>
-            </p:spPr>
-          </p:pic>
-        </p:grpSp>
-        <p:grpSp>
-          <p:nvGrpSpPr>
-            <p:cNvPr id="5" name="Group 4">
-              <a:extLst>
-                <a:ext uri="{FF2B5EF4-FFF2-40B4-BE49-F238E27FC236}">
-                  <a16:creationId xmlns:a16="http://schemas.microsoft.com/office/drawing/2014/main" id="{4FAE08AC-D3C9-BAD1-0A1B-9550CF983B94}"/>
-                </a:ext>
-              </a:extLst>
-            </p:cNvPr>
-            <p:cNvGrpSpPr/>
-            <p:nvPr/>
-          </p:nvGrpSpPr>
-          <p:grpSpPr>
-            <a:xfrm>
-              <a:off x="9448613" y="1453613"/>
-              <a:ext cx="3209551" cy="3620200"/>
-              <a:chOff x="9448613" y="-1143000"/>
-              <a:chExt cx="3209551" cy="3620200"/>
-            </a:xfrm>
-          </p:grpSpPr>
-          <p:pic>
-            <p:nvPicPr>
-              <p:cNvPr id="6" name="Picture 2" descr="iPhone - Wikipedia">
-                <a:extLst>
-                  <a:ext uri="{FF2B5EF4-FFF2-40B4-BE49-F238E27FC236}">
-                    <a16:creationId xmlns:a16="http://schemas.microsoft.com/office/drawing/2014/main" id="{BAC4DDD8-3B6C-B354-0B6A-58A6E7044728}"/>
-                  </a:ext>
-                </a:extLst>
-              </p:cNvPr>
-              <p:cNvPicPr>
-                <a:picLocks noChangeAspect="1" noChangeArrowheads="1"/>
-              </p:cNvPicPr>
-              <p:nvPr/>
-            </p:nvPicPr>
-            <p:blipFill>
-              <a:blip r:embed="rId2">
-                <a:alphaModFix amt="70000"/>
-                <a:extLst>
-                  <a:ext uri="{28A0092B-C50C-407E-A947-70E740481C1C}">
-                    <a14:useLocalDpi xmlns:a14="http://schemas.microsoft.com/office/drawing/2010/main" val="0"/>
-                  </a:ext>
-                </a:extLst>
-              </a:blip>
-              <a:srcRect/>
-              <a:stretch>
-                <a:fillRect/>
-              </a:stretch>
-            </p:blipFill>
-            <p:spPr bwMode="auto">
-              <a:xfrm>
-                <a:off x="9448613" y="-1143000"/>
-                <a:ext cx="1111250" cy="2286000"/>
-              </a:xfrm>
-              <a:prstGeom prst="rect">
-                <a:avLst/>
-              </a:prstGeom>
-              <a:noFill/>
-              <a:extLst>
-                <a:ext uri="{909E8E84-426E-40DD-AFC4-6F175D3DCCD1}">
-                  <a14:hiddenFill xmlns:a14="http://schemas.microsoft.com/office/drawing/2010/main">
-                    <a:solidFill>
-                      <a:srgbClr val="FFFFFF"/>
-                    </a:solidFill>
-                  </a14:hiddenFill>
-                </a:ext>
-              </a:extLst>
-            </p:spPr>
-          </p:pic>
-          <p:pic>
-            <p:nvPicPr>
-              <p:cNvPr id="7" name="Picture 4" descr="All Samsung Galaxy S Series Prices &amp; models | Samsung Jordan">
-                <a:extLst>
-                  <a:ext uri="{FF2B5EF4-FFF2-40B4-BE49-F238E27FC236}">
-                    <a16:creationId xmlns:a16="http://schemas.microsoft.com/office/drawing/2014/main" id="{3DE4EBB7-5986-23EB-9FF7-E29D61B3444D}"/>
-                  </a:ext>
-                </a:extLst>
-              </p:cNvPr>
-              <p:cNvPicPr>
-                <a:picLocks noChangeAspect="1" noChangeArrowheads="1"/>
-              </p:cNvPicPr>
-              <p:nvPr/>
-            </p:nvPicPr>
-            <p:blipFill>
-              <a:blip r:embed="rId3">
-                <a:alphaModFix amt="70000"/>
-                <a:extLst>
-                  <a:ext uri="{28A0092B-C50C-407E-A947-70E740481C1C}">
-                    <a14:useLocalDpi xmlns:a14="http://schemas.microsoft.com/office/drawing/2010/main" val="0"/>
-                  </a:ext>
-                </a:extLst>
-              </a:blip>
-              <a:srcRect/>
-              <a:stretch>
-                <a:fillRect/>
-              </a:stretch>
-            </p:blipFill>
-            <p:spPr bwMode="auto">
-              <a:xfrm>
-                <a:off x="9759576" y="-421388"/>
-                <a:ext cx="2898588" cy="2898588"/>
-              </a:xfrm>
-              <a:prstGeom prst="rect">
-                <a:avLst/>
-              </a:prstGeom>
-              <a:noFill/>
-              <a:extLst>
-                <a:ext uri="{909E8E84-426E-40DD-AFC4-6F175D3DCCD1}">
-                  <a14:hiddenFill xmlns:a14="http://schemas.microsoft.com/office/drawing/2010/main">
-                    <a:solidFill>
-                      <a:srgbClr val="FFFFFF"/>
-                    </a:solidFill>
-                  </a14:hiddenFill>
-                </a:ext>
-              </a:extLst>
-            </p:spPr>
-          </p:pic>
-        </p:grpSp>
-        <p:grpSp>
-          <p:nvGrpSpPr>
-            <p:cNvPr id="8" name="Group 7">
-              <a:extLst>
-                <a:ext uri="{FF2B5EF4-FFF2-40B4-BE49-F238E27FC236}">
-                  <a16:creationId xmlns:a16="http://schemas.microsoft.com/office/drawing/2014/main" id="{D37E7886-A409-01D7-C346-0FEA7612136E}"/>
-                </a:ext>
-              </a:extLst>
-            </p:cNvPr>
-            <p:cNvGrpSpPr/>
-            <p:nvPr/>
-          </p:nvGrpSpPr>
-          <p:grpSpPr>
-            <a:xfrm>
-              <a:off x="9448613" y="4089213"/>
-              <a:ext cx="3209551" cy="3620200"/>
-              <a:chOff x="9448613" y="-1143000"/>
-              <a:chExt cx="3209551" cy="3620200"/>
-            </a:xfrm>
-          </p:grpSpPr>
-          <p:pic>
-            <p:nvPicPr>
-              <p:cNvPr id="9" name="Picture 2" descr="iPhone - Wikipedia">
-                <a:extLst>
-                  <a:ext uri="{FF2B5EF4-FFF2-40B4-BE49-F238E27FC236}">
-                    <a16:creationId xmlns:a16="http://schemas.microsoft.com/office/drawing/2014/main" id="{50A3367A-48B5-DE5D-6FC8-886E713FDC31}"/>
-                  </a:ext>
-                </a:extLst>
-              </p:cNvPr>
-              <p:cNvPicPr>
-                <a:picLocks noChangeAspect="1" noChangeArrowheads="1"/>
-              </p:cNvPicPr>
-              <p:nvPr/>
-            </p:nvPicPr>
-            <p:blipFill>
-              <a:blip r:embed="rId2">
-                <a:alphaModFix amt="70000"/>
-                <a:extLst>
-                  <a:ext uri="{28A0092B-C50C-407E-A947-70E740481C1C}">
-                    <a14:useLocalDpi xmlns:a14="http://schemas.microsoft.com/office/drawing/2010/main" val="0"/>
-                  </a:ext>
-                </a:extLst>
-              </a:blip>
-              <a:srcRect/>
-              <a:stretch>
-                <a:fillRect/>
-              </a:stretch>
-            </p:blipFill>
-            <p:spPr bwMode="auto">
-              <a:xfrm>
-                <a:off x="9448613" y="-1143000"/>
-                <a:ext cx="1111250" cy="2286000"/>
-              </a:xfrm>
-              <a:prstGeom prst="rect">
-                <a:avLst/>
-              </a:prstGeom>
-              <a:noFill/>
-              <a:extLst>
-                <a:ext uri="{909E8E84-426E-40DD-AFC4-6F175D3DCCD1}">
-                  <a14:hiddenFill xmlns:a14="http://schemas.microsoft.com/office/drawing/2010/main">
-                    <a:solidFill>
-                      <a:srgbClr val="FFFFFF"/>
-                    </a:solidFill>
-                  </a14:hiddenFill>
-                </a:ext>
-              </a:extLst>
-            </p:spPr>
-          </p:pic>
-          <p:pic>
-            <p:nvPicPr>
-              <p:cNvPr id="10" name="Picture 4" descr="All Samsung Galaxy S Series Prices &amp; models | Samsung Jordan">
-                <a:extLst>
-                  <a:ext uri="{FF2B5EF4-FFF2-40B4-BE49-F238E27FC236}">
-                    <a16:creationId xmlns:a16="http://schemas.microsoft.com/office/drawing/2014/main" id="{0CD648B4-993D-25F6-A567-8B750E5F0C7F}"/>
-                  </a:ext>
-                </a:extLst>
-              </p:cNvPr>
-              <p:cNvPicPr>
-                <a:picLocks noChangeAspect="1" noChangeArrowheads="1"/>
-              </p:cNvPicPr>
-              <p:nvPr/>
-            </p:nvPicPr>
-            <p:blipFill>
-              <a:blip r:embed="rId3">
-                <a:alphaModFix amt="70000"/>
-                <a:extLst>
-                  <a:ext uri="{28A0092B-C50C-407E-A947-70E740481C1C}">
-                    <a14:useLocalDpi xmlns:a14="http://schemas.microsoft.com/office/drawing/2010/main" val="0"/>
-                  </a:ext>
-                </a:extLst>
-              </a:blip>
-              <a:srcRect/>
-              <a:stretch>
-                <a:fillRect/>
-              </a:stretch>
-            </p:blipFill>
-            <p:spPr bwMode="auto">
-              <a:xfrm>
-                <a:off x="9759576" y="-421388"/>
-                <a:ext cx="2898588" cy="2898588"/>
-              </a:xfrm>
-              <a:prstGeom prst="rect">
-                <a:avLst/>
-              </a:prstGeom>
-              <a:noFill/>
-              <a:extLst>
-                <a:ext uri="{909E8E84-426E-40DD-AFC4-6F175D3DCCD1}">
-                  <a14:hiddenFill xmlns:a14="http://schemas.microsoft.com/office/drawing/2010/main">
-                    <a:solidFill>
-                      <a:srgbClr val="FFFFFF"/>
-                    </a:solidFill>
-                  </a14:hiddenFill>
-                </a:ext>
-              </a:extLst>
-            </p:spPr>
-          </p:pic>
-        </p:grpSp>
-      </p:grpSp>
-      <p:sp>
-        <p:nvSpPr>
-          <p:cNvPr id="2" name="Title 1">
-            <a:extLst>
-              <a:ext uri="{FF2B5EF4-FFF2-40B4-BE49-F238E27FC236}">
-                <a16:creationId xmlns:a16="http://schemas.microsoft.com/office/drawing/2014/main" id="{2E97C436-DD40-AF79-18E3-FABA0B5702A0}"/>
-              </a:ext>
-            </a:extLst>
-          </p:cNvPr>
-          <p:cNvSpPr>
-            <a:spLocks noGrp="1"/>
-          </p:cNvSpPr>
-          <p:nvPr>
-            <p:ph type="title"/>
-          </p:nvPr>
-        </p:nvSpPr>
-        <p:spPr/>
-        <p:txBody>
-          <a:bodyPr>
-            <a:normAutofit fontScale="90000"/>
-          </a:bodyPr>
-          <a:lstStyle/>
-          <a:p>
-            <a:r>
-              <a:rPr lang="en-US" sz="3200" dirty="0">
-                <a:solidFill>
-                  <a:schemeClr val="accent1">
-                    <a:lumMod val="50000"/>
-                  </a:schemeClr>
-                </a:solidFill>
-              </a:rPr>
-              <a:t>Was there an increase in stock price volatility for </a:t>
-            </a:r>
-            <a:br>
-              <a:rPr lang="en-US" sz="3200" dirty="0">
-                <a:solidFill>
-                  <a:schemeClr val="accent1">
-                    <a:lumMod val="50000"/>
-                  </a:schemeClr>
-                </a:solidFill>
-              </a:rPr>
-            </a:br>
-            <a:r>
-              <a:rPr lang="en-US" sz="3200" dirty="0">
-                <a:solidFill>
-                  <a:schemeClr val="accent1">
-                    <a:lumMod val="50000"/>
-                  </a:schemeClr>
-                </a:solidFill>
-              </a:rPr>
-              <a:t>Apple and Samsung during the pandemic compared </a:t>
-            </a:r>
-            <a:br>
-              <a:rPr lang="en-US" sz="3200" dirty="0">
-                <a:solidFill>
-                  <a:schemeClr val="accent1">
-                    <a:lumMod val="50000"/>
-                  </a:schemeClr>
-                </a:solidFill>
-              </a:rPr>
-            </a:br>
-            <a:r>
-              <a:rPr lang="en-US" sz="3200" dirty="0">
-                <a:solidFill>
-                  <a:schemeClr val="accent1">
-                    <a:lumMod val="50000"/>
-                  </a:schemeClr>
-                </a:solidFill>
-              </a:rPr>
-              <a:t>to pre – Covid period?</a:t>
-            </a:r>
-          </a:p>
-        </p:txBody>
-      </p:sp>
-      <p:pic>
-        <p:nvPicPr>
-          <p:cNvPr id="12" name="Picture 11" descr="A graph of a graph&#10;&#10;Description automatically generated with medium confidence">
-            <a:extLst>
-              <a:ext uri="{FF2B5EF4-FFF2-40B4-BE49-F238E27FC236}">
-                <a16:creationId xmlns:a16="http://schemas.microsoft.com/office/drawing/2014/main" id="{0A91C0F9-C48E-EACB-628C-562B10AEBBFB}"/>
-              </a:ext>
-            </a:extLst>
-          </p:cNvPr>
-          <p:cNvPicPr>
-            <a:picLocks noChangeAspect="1"/>
-          </p:cNvPicPr>
-          <p:nvPr/>
-        </p:nvPicPr>
-        <p:blipFill>
-          <a:blip r:embed="rId4"/>
-          <a:stretch>
-            <a:fillRect/>
-          </a:stretch>
-        </p:blipFill>
-        <p:spPr>
-          <a:xfrm>
-            <a:off x="1520732" y="1832376"/>
-            <a:ext cx="7772400" cy="4663440"/>
-          </a:xfrm>
-          <a:prstGeom prst="rect">
-            <a:avLst/>
-          </a:prstGeom>
-          <a:ln w="57150">
-            <a:solidFill>
-              <a:schemeClr val="accent1"/>
-            </a:solidFill>
-          </a:ln>
-        </p:spPr>
-      </p:pic>
-    </p:spTree>
-    <p:extLst>
-      <p:ext uri="{BB962C8B-B14F-4D97-AF65-F5344CB8AC3E}">
-        <p14:creationId xmlns:p14="http://schemas.microsoft.com/office/powerpoint/2010/main" val="520348484"/>
-      </p:ext>
-    </p:extLst>
-  </p:cSld>
-  <p:clrMapOvr>
-    <a:masterClrMapping/>
-  </p:clrMapOvr>
-</p:sld>
-</file>
-
-<file path=ppt/slides/slide21.xml><?xml version="1.0" encoding="utf-8"?>
 <p:sld xmlns:a="http://schemas.openxmlformats.org/drawingml/2006/main" xmlns:r="http://schemas.openxmlformats.org/officeDocument/2006/relationships" xmlns:p="http://schemas.openxmlformats.org/presentationml/2006/main">
   <p:cSld>
     <p:bg>
@@ -12932,7 +12404,7 @@
 </p:sld>
 </file>
 
-<file path=ppt/slides/slide22.xml><?xml version="1.0" encoding="utf-8"?>
+<file path=ppt/slides/slide21.xml><?xml version="1.0" encoding="utf-8"?>
 <p:sld xmlns:a="http://schemas.openxmlformats.org/drawingml/2006/main" xmlns:r="http://schemas.openxmlformats.org/officeDocument/2006/relationships" xmlns:p="http://schemas.openxmlformats.org/presentationml/2006/main">
   <p:cSld>
     <p:bg>
@@ -13426,7 +12898,7 @@
 </p:sld>
 </file>
 
-<file path=ppt/slides/slide23.xml><?xml version="1.0" encoding="utf-8"?>
+<file path=ppt/slides/slide22.xml><?xml version="1.0" encoding="utf-8"?>
 <p:sld xmlns:a="http://schemas.openxmlformats.org/drawingml/2006/main" xmlns:r="http://schemas.openxmlformats.org/officeDocument/2006/relationships" xmlns:p="http://schemas.openxmlformats.org/presentationml/2006/main">
   <p:cSld>
     <p:bg>
@@ -13950,7 +13422,7 @@
 </p:sld>
 </file>
 
-<file path=ppt/slides/slide24.xml><?xml version="1.0" encoding="utf-8"?>
+<file path=ppt/slides/slide23.xml><?xml version="1.0" encoding="utf-8"?>
 <p:sld xmlns:a="http://schemas.openxmlformats.org/drawingml/2006/main" xmlns:r="http://schemas.openxmlformats.org/officeDocument/2006/relationships" xmlns:p="http://schemas.openxmlformats.org/presentationml/2006/main">
   <p:cSld>
     <p:bg>
@@ -14410,7 +13882,7 @@
 </p:sld>
 </file>
 
-<file path=ppt/slides/slide25.xml><?xml version="1.0" encoding="utf-8"?>
+<file path=ppt/slides/slide24.xml><?xml version="1.0" encoding="utf-8"?>
 <p:sld xmlns:a="http://schemas.openxmlformats.org/drawingml/2006/main" xmlns:r="http://schemas.openxmlformats.org/officeDocument/2006/relationships" xmlns:p="http://schemas.openxmlformats.org/presentationml/2006/main">
   <p:cSld>
     <p:bg>

--- a/Apple, Samsung, and COVID.pptx
+++ b/Apple, Samsung, and COVID.pptx
@@ -130,6 +130,11 @@
       </a:defRPr>
     </a:lvl9pPr>
   </p:defaultTextStyle>
+  <p:extLst>
+    <p:ext uri="{EFAFB233-063F-42B5-8137-9DF3F51BA10A}">
+      <p15:sldGuideLst xmlns:p15="http://schemas.microsoft.com/office/powerpoint/2012/main"/>
+    </p:ext>
+  </p:extLst>
 </p:presentation>
 </file>
 
@@ -15126,26 +15131,7 @@
                   </a:schemeClr>
                 </a:solidFill>
               </a:rPr>
-              <a:t>Which phone company performed best before, </a:t>
-            </a:r>
-            <a:br>
-              <a:rPr lang="en-US" sz="2000" dirty="0">
-                <a:solidFill>
-                  <a:schemeClr val="accent1">
-                    <a:lumMod val="50000"/>
-                  </a:schemeClr>
-                </a:solidFill>
-              </a:rPr>
-            </a:br>
-            <a:r>
-              <a:rPr lang="en-US" sz="2000" dirty="0">
-                <a:solidFill>
-                  <a:schemeClr val="accent1">
-                    <a:lumMod val="50000"/>
-                  </a:schemeClr>
-                </a:solidFill>
-              </a:rPr>
-              <a:t>during and after the pandemic?</a:t>
+              <a:t>How did Apple and Samsung perform relative to the US Smartphone Market?</a:t>
             </a:r>
           </a:p>
         </p:txBody>

--- a/Apple, Samsung, and COVID.pptx
+++ b/Apple, Samsung, and COVID.pptx
@@ -12330,10 +12330,10 @@
       </p:sp>
       <p:pic>
         <p:nvPicPr>
-          <p:cNvPr id="13" name="Picture 12" descr="A pie chart with numbers and text&#10;&#10;Description automatically generated">
+          <p:cNvPr id="14" name="Picture 13" descr="A pie chart with numbers and a number of different colored circles&#10;&#10;Description automatically generated with medium confidence">
             <a:extLst>
               <a:ext uri="{FF2B5EF4-FFF2-40B4-BE49-F238E27FC236}">
-                <a16:creationId xmlns:a16="http://schemas.microsoft.com/office/drawing/2014/main" id="{DB4C4210-BF88-E4BB-5919-A56F0651CCB0}"/>
+                <a16:creationId xmlns:a16="http://schemas.microsoft.com/office/drawing/2014/main" id="{FF24DCFA-5997-A732-6110-3118EB7BB51C}"/>
               </a:ext>
             </a:extLst>
           </p:cNvPr>
@@ -12344,13 +12344,13 @@
         </p:nvPicPr>
         <p:blipFill>
           <a:blip r:embed="rId4"/>
-          <a:srcRect l="45113" t="19482" b="24555"/>
+          <a:srcRect l="54495" t="8759" r="5778" b="15429"/>
           <a:stretch/>
         </p:blipFill>
         <p:spPr>
           <a:xfrm>
-            <a:off x="4407651" y="1572582"/>
-            <a:ext cx="4120210" cy="3150744"/>
+            <a:off x="5658679" y="1690688"/>
+            <a:ext cx="3087756" cy="2946213"/>
           </a:xfrm>
           <a:prstGeom prst="rect">
             <a:avLst/>
@@ -12364,10 +12364,10 @@
       </p:pic>
       <p:pic>
         <p:nvPicPr>
-          <p:cNvPr id="15" name="Picture 14" descr="A pie chart with numbers and text&#10;&#10;Description automatically generated">
+          <p:cNvPr id="17" name="Picture 16" descr="A pie chart with numbers and text&#10;&#10;Description automatically generated">
             <a:extLst>
               <a:ext uri="{FF2B5EF4-FFF2-40B4-BE49-F238E27FC236}">
-                <a16:creationId xmlns:a16="http://schemas.microsoft.com/office/drawing/2014/main" id="{4C5A6EA1-8310-A165-F564-7DB6000D7D0D}"/>
+                <a16:creationId xmlns:a16="http://schemas.microsoft.com/office/drawing/2014/main" id="{0F115CD0-AF29-CB09-38B5-720A93998DD2}"/>
               </a:ext>
             </a:extLst>
           </p:cNvPr>
@@ -12378,13 +12378,13 @@
         </p:nvPicPr>
         <p:blipFill>
           <a:blip r:embed="rId5"/>
-          <a:srcRect l="11743" t="7247" r="49733" b="15706"/>
+          <a:srcRect l="12733" t="7905" r="50779" b="16283"/>
           <a:stretch/>
         </p:blipFill>
         <p:spPr>
           <a:xfrm>
-            <a:off x="726147" y="1572582"/>
-            <a:ext cx="2994211" cy="2994212"/>
+            <a:off x="1261390" y="1690688"/>
+            <a:ext cx="2835965" cy="2946213"/>
           </a:xfrm>
           <a:prstGeom prst="rect">
             <a:avLst/>
@@ -15019,7 +15019,7 @@
                   </a:schemeClr>
                 </a:solidFill>
               </a:rPr>
-              <a:t>How long did it take for apple and Samsung to reach</a:t>
+              <a:t>How long did it take for Apple and Samsung to reach</a:t>
             </a:r>
             <a:br>
               <a:rPr lang="en-US" sz="2000" dirty="0">
@@ -15038,7 +15038,7 @@
                   </a:schemeClr>
                 </a:solidFill>
               </a:rPr>
-              <a:t>to pre pandemic levels?</a:t>
+              <a:t>to Pre-Pandemic levels?</a:t>
             </a:r>
           </a:p>
           <a:p>
@@ -18543,7 +18543,7 @@
                   </a:schemeClr>
                 </a:solidFill>
               </a:rPr>
-              <a:t>Both an increase in trading during the pandemic</a:t>
+              <a:t>Both saw an increase in trading during the pandemic</a:t>
             </a:r>
           </a:p>
           <a:p>
